--- a/tutorial_matlabClasses.pptx
+++ b/tutorial_matlabClasses.pptx
@@ -189,7 +189,7 @@
           <a:p>
             <a:fld id="{92ABB2FB-6345-45FF-A90E-A01D6AFF79C4}" type="datetimeFigureOut">
               <a:rPr lang="en-US" smtClean="0"/>
-              <a:t>12/21/18</a:t>
+              <a:t>1/25/19</a:t>
             </a:fld>
             <a:endParaRPr lang="en-US"/>
           </a:p>
@@ -366,7 +366,7 @@
           <a:p>
             <a:fld id="{DCC6978D-169D-4110-A16B-2595AC07B6B0}" type="datetimeFigureOut">
               <a:rPr lang="en-US" smtClean="0"/>
-              <a:t>12/21/18</a:t>
+              <a:t>1/25/19</a:t>
             </a:fld>
             <a:endParaRPr lang="en-US"/>
           </a:p>
@@ -5745,14 +5745,14 @@
           </a:ln>
           <a:extLst>
             <a:ext uri="{909E8E84-426E-40dd-AFC4-6F175D3DCCD1}">
-              <a14:hiddenFill xmlns:a14="http://schemas.microsoft.com/office/drawing/2010/main" xmlns="">
+              <a14:hiddenFill xmlns="" xmlns:a14="http://schemas.microsoft.com/office/drawing/2010/main">
                 <a:solidFill>
                   <a:srgbClr val="FFFFFF"/>
                 </a:solidFill>
               </a14:hiddenFill>
             </a:ext>
             <a:ext uri="{91240B29-F687-4f45-9708-019B960494DF}">
-              <a14:hiddenLine xmlns:a14="http://schemas.microsoft.com/office/drawing/2010/main" xmlns="" w="9525">
+              <a14:hiddenLine xmlns="" xmlns:a14="http://schemas.microsoft.com/office/drawing/2010/main" w="9525">
                 <a:solidFill>
                   <a:srgbClr val="000000"/>
                 </a:solidFill>
@@ -8355,14 +8355,14 @@
           </a:ln>
           <a:extLst>
             <a:ext uri="{909E8E84-426E-40dd-AFC4-6F175D3DCCD1}">
-              <a14:hiddenFill xmlns:a14="http://schemas.microsoft.com/office/drawing/2010/main" xmlns="">
+              <a14:hiddenFill xmlns="" xmlns:a14="http://schemas.microsoft.com/office/drawing/2010/main">
                 <a:solidFill>
                   <a:srgbClr val="FFFFFF"/>
                 </a:solidFill>
               </a14:hiddenFill>
             </a:ext>
             <a:ext uri="{91240B29-F687-4f45-9708-019B960494DF}">
-              <a14:hiddenLine xmlns:a14="http://schemas.microsoft.com/office/drawing/2010/main" xmlns="" w="9525">
+              <a14:hiddenLine xmlns="" xmlns:a14="http://schemas.microsoft.com/office/drawing/2010/main" w="9525">
                 <a:solidFill>
                   <a:srgbClr val="000000"/>
                 </a:solidFill>
@@ -11953,6 +11953,46 @@
           </a:p>
         </p:txBody>
       </p:sp>
+      <p:sp>
+        <p:nvSpPr>
+          <p:cNvPr id="9" name="TextBox 8">
+            <a:extLst>
+              <a:ext uri="{FF2B5EF4-FFF2-40B4-BE49-F238E27FC236}">
+                <a16:creationId xmlns:a16="http://schemas.microsoft.com/office/drawing/2014/main" id="{7A6D903F-E1CB-DC45-9CC1-2C59429EEB95}"/>
+              </a:ext>
+            </a:extLst>
+          </p:cNvPr>
+          <p:cNvSpPr txBox="1"/>
+          <p:nvPr/>
+        </p:nvSpPr>
+        <p:spPr>
+          <a:xfrm>
+            <a:off x="3979074" y="3911752"/>
+            <a:ext cx="4233851" cy="307777"/>
+          </a:xfrm>
+          <a:prstGeom prst="rect">
+            <a:avLst/>
+          </a:prstGeom>
+          <a:noFill/>
+        </p:spPr>
+        <p:txBody>
+          <a:bodyPr wrap="none" rtlCol="0">
+            <a:spAutoFit/>
+          </a:bodyPr>
+          <a:lstStyle/>
+          <a:p>
+            <a:pPr algn="ctr"/>
+            <a:r>
+              <a:rPr lang="en-US" sz="1400" dirty="0">
+                <a:solidFill>
+                  <a:srgbClr val="00B0F0"/>
+                </a:solidFill>
+              </a:rPr>
+              <a:t>https://github.com/saacuna/tutorial_matlabClasses </a:t>
+            </a:r>
+          </a:p>
+        </p:txBody>
+      </p:sp>
     </p:spTree>
     <p:extLst>
       <p:ext uri="{BB962C8B-B14F-4D97-AF65-F5344CB8AC3E}">
@@ -13410,7 +13450,7 @@
         <p:spPr>
           <a:xfrm>
             <a:off x="838200" y="5402413"/>
-            <a:ext cx="5296643" cy="523220"/>
+            <a:ext cx="4233851" cy="523220"/>
           </a:xfrm>
           <a:prstGeom prst="rect">
             <a:avLst/>
@@ -13432,7 +13472,7 @@
             <a:r>
               <a:rPr lang="en-US" sz="1400" dirty="0">
                 <a:solidFill>
-                  <a:srgbClr val="0070C0"/>
+                  <a:srgbClr val="00B0F0"/>
                 </a:solidFill>
                 <a:hlinkClick r:id="rId3">
                   <a:extLst>
@@ -13442,12 +13482,12 @@
                   </a:extLst>
                 </a:hlinkClick>
               </a:rPr>
-              <a:t>https://github.com/saacuna/matlab_objectOrientedProgramming</a:t>
+              <a:t>https://github.com/saacuna/tutorial_matlabClasses</a:t>
             </a:r>
             <a:r>
               <a:rPr lang="en-US" sz="1400" dirty="0">
                 <a:solidFill>
-                  <a:srgbClr val="0070C0"/>
+                  <a:srgbClr val="00B0F0"/>
                 </a:solidFill>
               </a:rPr>
               <a:t> </a:t>
